--- a/발표자료/최종 발표/스크립트 최종발표.pptx
+++ b/발표자료/최종 발표/스크립트 최종발표.pptx
@@ -3410,7 +3410,7 @@
     <mc:Choice Requires="p14">
       <p:transition/>
     </mc:Choice>
-    <mc:Fallback xmlns:dsp="http://schemas.microsoft.com/office/drawing/2008/diagram" xmlns:dgm="http://schemas.openxmlformats.org/drawingml/2006/diagram" xmlns:c="http://schemas.openxmlformats.org/drawingml/2006/chart" xmlns="">
+    <mc:Fallback xmlns="" xmlns:c="http://schemas.openxmlformats.org/drawingml/2006/chart" xmlns:dgm="http://schemas.openxmlformats.org/drawingml/2006/diagram" xmlns:dsp="http://schemas.microsoft.com/office/drawing/2008/diagram">
       <p:transition/>
     </mc:Fallback>
   </mc:AlternateContent>
@@ -3766,7 +3766,7 @@
         <p:spPr>
           <a:xfrm>
             <a:off x="956689" y="695410"/>
-            <a:ext cx="3189513" cy="388535"/>
+            <a:ext cx="3189513" cy="400110"/>
           </a:xfrm>
           <a:prstGeom prst="rect">
             <a:avLst/>
@@ -3783,12 +3783,12 @@
               <a:defRPr/>
             </a:pPr>
             <a:r>
-              <a:rPr lang="ko-KR" altLang="en-US" sz="2000">
+              <a:rPr lang="ko-KR" altLang="en-US" sz="2000" dirty="0">
                 <a:solidFill>
                   <a:srgbClr val="0033CC"/>
                 </a:solidFill>
               </a:rPr>
-              <a:t>프로그램 소개 </a:t>
+              <a:t>프로그램 기능</a:t>
             </a:r>
           </a:p>
         </p:txBody>
@@ -3802,7 +3802,7 @@
           <p:nvPr>
             <p:extLst>
               <p:ext uri="{D42A27DB-BD31-4B8C-83A1-F6EECF244321}">
-                <p14:modId xmlns:p14="http://schemas.microsoft.com/office/powerpoint/2010/main" val="4212900170"/>
+                <p14:modId xmlns:p14="http://schemas.microsoft.com/office/powerpoint/2010/main" val="3972483396"/>
               </p:ext>
             </p:extLst>
           </p:nvPr>
@@ -4110,7 +4110,7 @@
                             <a:srgbClr val="0033CC"/>
                           </a:solidFill>
                         </a:rPr>
-                        <a:t>텔레그렘</a:t>
+                        <a:t>텔레그램</a:t>
                       </a:r>
                       <a:r>
                         <a:rPr lang="en-US" altLang="ko-KR" sz="1800" dirty="0">
@@ -4386,7 +4386,7 @@
     <mc:Choice Requires="p14">
       <p:transition/>
     </mc:Choice>
-    <mc:Fallback xmlns:dsp="http://schemas.microsoft.com/office/drawing/2008/diagram" xmlns:dgm="http://schemas.openxmlformats.org/drawingml/2006/diagram" xmlns:c="http://schemas.openxmlformats.org/drawingml/2006/chart" xmlns="">
+    <mc:Fallback xmlns="" xmlns:c="http://schemas.openxmlformats.org/drawingml/2006/chart" xmlns:dgm="http://schemas.openxmlformats.org/drawingml/2006/diagram" xmlns:dsp="http://schemas.microsoft.com/office/drawing/2008/diagram">
       <p:transition/>
     </mc:Fallback>
   </mc:AlternateContent>
@@ -4925,7 +4925,7 @@
     <mc:Choice Requires="p14">
       <p:transition/>
     </mc:Choice>
-    <mc:Fallback xmlns:dsp="http://schemas.microsoft.com/office/drawing/2008/diagram" xmlns:dgm="http://schemas.openxmlformats.org/drawingml/2006/diagram" xmlns:c="http://schemas.openxmlformats.org/drawingml/2006/chart" xmlns="">
+    <mc:Fallback xmlns="" xmlns:c="http://schemas.openxmlformats.org/drawingml/2006/chart" xmlns:dgm="http://schemas.openxmlformats.org/drawingml/2006/diagram" xmlns:dsp="http://schemas.microsoft.com/office/drawing/2008/diagram">
       <p:transition/>
     </mc:Fallback>
   </mc:AlternateContent>
@@ -5473,7 +5473,7 @@
     <mc:Choice Requires="p14">
       <p:transition/>
     </mc:Choice>
-    <mc:Fallback xmlns:dsp="http://schemas.microsoft.com/office/drawing/2008/diagram" xmlns:dgm="http://schemas.openxmlformats.org/drawingml/2006/diagram" xmlns:c="http://schemas.openxmlformats.org/drawingml/2006/chart" xmlns="">
+    <mc:Fallback xmlns="" xmlns:c="http://schemas.openxmlformats.org/drawingml/2006/chart" xmlns:dgm="http://schemas.openxmlformats.org/drawingml/2006/diagram" xmlns:dsp="http://schemas.microsoft.com/office/drawing/2008/diagram">
       <p:transition/>
     </mc:Fallback>
   </mc:AlternateContent>
@@ -6034,7 +6034,7 @@
     <mc:Choice Requires="p14">
       <p:transition/>
     </mc:Choice>
-    <mc:Fallback xmlns:dsp="http://schemas.microsoft.com/office/drawing/2008/diagram" xmlns:dgm="http://schemas.openxmlformats.org/drawingml/2006/diagram" xmlns:c="http://schemas.openxmlformats.org/drawingml/2006/chart" xmlns="">
+    <mc:Fallback xmlns="" xmlns:c="http://schemas.openxmlformats.org/drawingml/2006/chart" xmlns:dgm="http://schemas.openxmlformats.org/drawingml/2006/diagram" xmlns:dsp="http://schemas.microsoft.com/office/drawing/2008/diagram">
       <p:transition/>
     </mc:Fallback>
   </mc:AlternateContent>
@@ -6412,7 +6412,7 @@
                   <a:srgbClr val="0033CC"/>
                 </a:solidFill>
               </a:rPr>
-              <a:t>텔레그렘</a:t>
+              <a:t>텔레그램</a:t>
             </a:r>
             <a:endParaRPr lang="ko-KR" altLang="en-US" sz="2000" dirty="0">
               <a:solidFill>
@@ -6592,7 +6592,7 @@
     <mc:Choice Requires="p14">
       <p:transition/>
     </mc:Choice>
-    <mc:Fallback xmlns:dsp="http://schemas.microsoft.com/office/drawing/2008/diagram" xmlns:dgm="http://schemas.openxmlformats.org/drawingml/2006/diagram" xmlns:c="http://schemas.openxmlformats.org/drawingml/2006/chart" xmlns="">
+    <mc:Fallback xmlns="" xmlns:c="http://schemas.openxmlformats.org/drawingml/2006/chart" xmlns:dgm="http://schemas.openxmlformats.org/drawingml/2006/diagram" xmlns:dsp="http://schemas.microsoft.com/office/drawing/2008/diagram">
       <p:transition/>
     </mc:Fallback>
   </mc:AlternateContent>
@@ -7123,7 +7123,7 @@
     <mc:Choice Requires="p14">
       <p:transition/>
     </mc:Choice>
-    <mc:Fallback xmlns:dsp="http://schemas.microsoft.com/office/drawing/2008/diagram" xmlns:dgm="http://schemas.openxmlformats.org/drawingml/2006/diagram" xmlns:c="http://schemas.openxmlformats.org/drawingml/2006/chart" xmlns="">
+    <mc:Fallback xmlns="" xmlns:c="http://schemas.openxmlformats.org/drawingml/2006/chart" xmlns:dgm="http://schemas.openxmlformats.org/drawingml/2006/diagram" xmlns:dsp="http://schemas.microsoft.com/office/drawing/2008/diagram">
       <p:transition/>
     </mc:Fallback>
   </mc:AlternateContent>
@@ -7576,7 +7576,7 @@
     <mc:Choice Requires="p14">
       <p:transition/>
     </mc:Choice>
-    <mc:Fallback xmlns:dsp="http://schemas.microsoft.com/office/drawing/2008/diagram" xmlns:dgm="http://schemas.openxmlformats.org/drawingml/2006/diagram" xmlns:c="http://schemas.openxmlformats.org/drawingml/2006/chart" xmlns="">
+    <mc:Fallback xmlns="" xmlns:c="http://schemas.openxmlformats.org/drawingml/2006/chart" xmlns:dgm="http://schemas.openxmlformats.org/drawingml/2006/diagram" xmlns:dsp="http://schemas.microsoft.com/office/drawing/2008/diagram">
       <p:transition/>
     </mc:Fallback>
   </mc:AlternateContent>
@@ -8089,7 +8089,7 @@
     <mc:Choice Requires="p14">
       <p:transition/>
     </mc:Choice>
-    <mc:Fallback xmlns:dsp="http://schemas.microsoft.com/office/drawing/2008/diagram" xmlns:dgm="http://schemas.openxmlformats.org/drawingml/2006/diagram" xmlns:c="http://schemas.openxmlformats.org/drawingml/2006/chart" xmlns="">
+    <mc:Fallback xmlns="" xmlns:c="http://schemas.openxmlformats.org/drawingml/2006/chart" xmlns:dgm="http://schemas.openxmlformats.org/drawingml/2006/diagram" xmlns:dsp="http://schemas.microsoft.com/office/drawing/2008/diagram">
       <p:transition/>
     </mc:Fallback>
   </mc:AlternateContent>

--- a/발표자료/최종 발표/스크립트 최종발표.pptx
+++ b/발표자료/최종 발표/스크립트 최종발표.pptx
@@ -3196,7 +3196,7 @@
                 <a:latin typeface="Adobe 고딕 Std B"/>
                 <a:ea typeface="Adobe 고딕 Std B"/>
               </a:rPr>
-              <a:t>팀 프로젝트 중간 발표 </a:t>
+              <a:t>팀 프로젝트 최종 발표 </a:t>
             </a:r>
             <a:r>
               <a:rPr lang="en-US" altLang="ko-KR" dirty="0">
@@ -3410,7 +3410,7 @@
     <mc:Choice Requires="p14">
       <p:transition/>
     </mc:Choice>
-    <mc:Fallback xmlns="" xmlns:c="http://schemas.openxmlformats.org/drawingml/2006/chart" xmlns:dgm="http://schemas.openxmlformats.org/drawingml/2006/diagram" xmlns:dsp="http://schemas.microsoft.com/office/drawing/2008/diagram">
+    <mc:Fallback xmlns:dsp="http://schemas.microsoft.com/office/drawing/2008/diagram" xmlns:dgm="http://schemas.openxmlformats.org/drawingml/2006/diagram" xmlns:c="http://schemas.openxmlformats.org/drawingml/2006/chart" xmlns="">
       <p:transition/>
     </mc:Fallback>
   </mc:AlternateContent>
@@ -4386,7 +4386,7 @@
     <mc:Choice Requires="p14">
       <p:transition/>
     </mc:Choice>
-    <mc:Fallback xmlns="" xmlns:c="http://schemas.openxmlformats.org/drawingml/2006/chart" xmlns:dgm="http://schemas.openxmlformats.org/drawingml/2006/diagram" xmlns:dsp="http://schemas.microsoft.com/office/drawing/2008/diagram">
+    <mc:Fallback xmlns:dsp="http://schemas.microsoft.com/office/drawing/2008/diagram" xmlns:dgm="http://schemas.openxmlformats.org/drawingml/2006/diagram" xmlns:c="http://schemas.openxmlformats.org/drawingml/2006/chart" xmlns="">
       <p:transition/>
     </mc:Fallback>
   </mc:AlternateContent>
@@ -4925,7 +4925,7 @@
     <mc:Choice Requires="p14">
       <p:transition/>
     </mc:Choice>
-    <mc:Fallback xmlns="" xmlns:c="http://schemas.openxmlformats.org/drawingml/2006/chart" xmlns:dgm="http://schemas.openxmlformats.org/drawingml/2006/diagram" xmlns:dsp="http://schemas.microsoft.com/office/drawing/2008/diagram">
+    <mc:Fallback xmlns:dsp="http://schemas.microsoft.com/office/drawing/2008/diagram" xmlns:dgm="http://schemas.openxmlformats.org/drawingml/2006/diagram" xmlns:c="http://schemas.openxmlformats.org/drawingml/2006/chart" xmlns="">
       <p:transition/>
     </mc:Fallback>
   </mc:AlternateContent>
@@ -5473,7 +5473,7 @@
     <mc:Choice Requires="p14">
       <p:transition/>
     </mc:Choice>
-    <mc:Fallback xmlns="" xmlns:c="http://schemas.openxmlformats.org/drawingml/2006/chart" xmlns:dgm="http://schemas.openxmlformats.org/drawingml/2006/diagram" xmlns:dsp="http://schemas.microsoft.com/office/drawing/2008/diagram">
+    <mc:Fallback xmlns:dsp="http://schemas.microsoft.com/office/drawing/2008/diagram" xmlns:dgm="http://schemas.openxmlformats.org/drawingml/2006/diagram" xmlns:c="http://schemas.openxmlformats.org/drawingml/2006/chart" xmlns="">
       <p:transition/>
     </mc:Fallback>
   </mc:AlternateContent>
@@ -6034,7 +6034,7 @@
     <mc:Choice Requires="p14">
       <p:transition/>
     </mc:Choice>
-    <mc:Fallback xmlns="" xmlns:c="http://schemas.openxmlformats.org/drawingml/2006/chart" xmlns:dgm="http://schemas.openxmlformats.org/drawingml/2006/diagram" xmlns:dsp="http://schemas.microsoft.com/office/drawing/2008/diagram">
+    <mc:Fallback xmlns:dsp="http://schemas.microsoft.com/office/drawing/2008/diagram" xmlns:dgm="http://schemas.openxmlformats.org/drawingml/2006/diagram" xmlns:c="http://schemas.openxmlformats.org/drawingml/2006/chart" xmlns="">
       <p:transition/>
     </mc:Fallback>
   </mc:AlternateContent>
@@ -6592,7 +6592,7 @@
     <mc:Choice Requires="p14">
       <p:transition/>
     </mc:Choice>
-    <mc:Fallback xmlns="" xmlns:c="http://schemas.openxmlformats.org/drawingml/2006/chart" xmlns:dgm="http://schemas.openxmlformats.org/drawingml/2006/diagram" xmlns:dsp="http://schemas.microsoft.com/office/drawing/2008/diagram">
+    <mc:Fallback xmlns:dsp="http://schemas.microsoft.com/office/drawing/2008/diagram" xmlns:dgm="http://schemas.openxmlformats.org/drawingml/2006/diagram" xmlns:c="http://schemas.openxmlformats.org/drawingml/2006/chart" xmlns="">
       <p:transition/>
     </mc:Fallback>
   </mc:AlternateContent>
@@ -7123,7 +7123,7 @@
     <mc:Choice Requires="p14">
       <p:transition/>
     </mc:Choice>
-    <mc:Fallback xmlns="" xmlns:c="http://schemas.openxmlformats.org/drawingml/2006/chart" xmlns:dgm="http://schemas.openxmlformats.org/drawingml/2006/diagram" xmlns:dsp="http://schemas.microsoft.com/office/drawing/2008/diagram">
+    <mc:Fallback xmlns:dsp="http://schemas.microsoft.com/office/drawing/2008/diagram" xmlns:dgm="http://schemas.openxmlformats.org/drawingml/2006/diagram" xmlns:c="http://schemas.openxmlformats.org/drawingml/2006/chart" xmlns="">
       <p:transition/>
     </mc:Fallback>
   </mc:AlternateContent>
@@ -7576,7 +7576,7 @@
     <mc:Choice Requires="p14">
       <p:transition/>
     </mc:Choice>
-    <mc:Fallback xmlns="" xmlns:c="http://schemas.openxmlformats.org/drawingml/2006/chart" xmlns:dgm="http://schemas.openxmlformats.org/drawingml/2006/diagram" xmlns:dsp="http://schemas.microsoft.com/office/drawing/2008/diagram">
+    <mc:Fallback xmlns:dsp="http://schemas.microsoft.com/office/drawing/2008/diagram" xmlns:dgm="http://schemas.openxmlformats.org/drawingml/2006/diagram" xmlns:c="http://schemas.openxmlformats.org/drawingml/2006/chart" xmlns="">
       <p:transition/>
     </mc:Fallback>
   </mc:AlternateContent>
@@ -8089,7 +8089,7 @@
     <mc:Choice Requires="p14">
       <p:transition/>
     </mc:Choice>
-    <mc:Fallback xmlns="" xmlns:c="http://schemas.openxmlformats.org/drawingml/2006/chart" xmlns:dgm="http://schemas.openxmlformats.org/drawingml/2006/diagram" xmlns:dsp="http://schemas.microsoft.com/office/drawing/2008/diagram">
+    <mc:Fallback xmlns:dsp="http://schemas.microsoft.com/office/drawing/2008/diagram" xmlns:dgm="http://schemas.openxmlformats.org/drawingml/2006/diagram" xmlns:c="http://schemas.openxmlformats.org/drawingml/2006/chart" xmlns="">
       <p:transition/>
     </mc:Fallback>
   </mc:AlternateContent>
